--- a/Eager/paper/socc15/figures/cerebro_pitch_4min.pptx
+++ b/Eager/paper/socc15/figures/cerebro_pitch_4min.pptx
@@ -291,7 +291,7 @@
           <a:p>
             <a:fld id="{75C45D75-7AF6-4C46-80BC-CD7D234880C9}" type="datetimeFigureOut">
               <a:rPr lang="en-US" smtClean="0"/>
-              <a:t>5/28/15</a:t>
+              <a:t>5/31/15</a:t>
             </a:fld>
             <a:endParaRPr lang="en-US"/>
           </a:p>
@@ -461,7 +461,7 @@
           <a:p>
             <a:fld id="{75C45D75-7AF6-4C46-80BC-CD7D234880C9}" type="datetimeFigureOut">
               <a:rPr lang="en-US" smtClean="0"/>
-              <a:t>5/28/15</a:t>
+              <a:t>5/31/15</a:t>
             </a:fld>
             <a:endParaRPr lang="en-US"/>
           </a:p>
@@ -641,7 +641,7 @@
           <a:p>
             <a:fld id="{75C45D75-7AF6-4C46-80BC-CD7D234880C9}" type="datetimeFigureOut">
               <a:rPr lang="en-US" smtClean="0"/>
-              <a:t>5/28/15</a:t>
+              <a:t>5/31/15</a:t>
             </a:fld>
             <a:endParaRPr lang="en-US"/>
           </a:p>
@@ -811,7 +811,7 @@
           <a:p>
             <a:fld id="{75C45D75-7AF6-4C46-80BC-CD7D234880C9}" type="datetimeFigureOut">
               <a:rPr lang="en-US" smtClean="0"/>
-              <a:t>5/28/15</a:t>
+              <a:t>5/31/15</a:t>
             </a:fld>
             <a:endParaRPr lang="en-US"/>
           </a:p>
@@ -1057,7 +1057,7 @@
           <a:p>
             <a:fld id="{75C45D75-7AF6-4C46-80BC-CD7D234880C9}" type="datetimeFigureOut">
               <a:rPr lang="en-US" smtClean="0"/>
-              <a:t>5/28/15</a:t>
+              <a:t>5/31/15</a:t>
             </a:fld>
             <a:endParaRPr lang="en-US"/>
           </a:p>
@@ -1345,7 +1345,7 @@
           <a:p>
             <a:fld id="{75C45D75-7AF6-4C46-80BC-CD7D234880C9}" type="datetimeFigureOut">
               <a:rPr lang="en-US" smtClean="0"/>
-              <a:t>5/28/15</a:t>
+              <a:t>5/31/15</a:t>
             </a:fld>
             <a:endParaRPr lang="en-US"/>
           </a:p>
@@ -1767,7 +1767,7 @@
           <a:p>
             <a:fld id="{75C45D75-7AF6-4C46-80BC-CD7D234880C9}" type="datetimeFigureOut">
               <a:rPr lang="en-US" smtClean="0"/>
-              <a:t>5/28/15</a:t>
+              <a:t>5/31/15</a:t>
             </a:fld>
             <a:endParaRPr lang="en-US"/>
           </a:p>
@@ -1885,7 +1885,7 @@
           <a:p>
             <a:fld id="{75C45D75-7AF6-4C46-80BC-CD7D234880C9}" type="datetimeFigureOut">
               <a:rPr lang="en-US" smtClean="0"/>
-              <a:t>5/28/15</a:t>
+              <a:t>5/31/15</a:t>
             </a:fld>
             <a:endParaRPr lang="en-US"/>
           </a:p>
@@ -1980,7 +1980,7 @@
           <a:p>
             <a:fld id="{75C45D75-7AF6-4C46-80BC-CD7D234880C9}" type="datetimeFigureOut">
               <a:rPr lang="en-US" smtClean="0"/>
-              <a:t>5/28/15</a:t>
+              <a:t>5/31/15</a:t>
             </a:fld>
             <a:endParaRPr lang="en-US"/>
           </a:p>
@@ -2257,7 +2257,7 @@
           <a:p>
             <a:fld id="{75C45D75-7AF6-4C46-80BC-CD7D234880C9}" type="datetimeFigureOut">
               <a:rPr lang="en-US" smtClean="0"/>
-              <a:t>5/28/15</a:t>
+              <a:t>5/31/15</a:t>
             </a:fld>
             <a:endParaRPr lang="en-US"/>
           </a:p>
@@ -2510,7 +2510,7 @@
           <a:p>
             <a:fld id="{75C45D75-7AF6-4C46-80BC-CD7D234880C9}" type="datetimeFigureOut">
               <a:rPr lang="en-US" smtClean="0"/>
-              <a:t>5/28/15</a:t>
+              <a:t>5/31/15</a:t>
             </a:fld>
             <a:endParaRPr lang="en-US"/>
           </a:p>
@@ -2723,7 +2723,7 @@
           <a:p>
             <a:fld id="{75C45D75-7AF6-4C46-80BC-CD7D234880C9}" type="datetimeFigureOut">
               <a:rPr lang="en-US" smtClean="0"/>
-              <a:t>5/28/15</a:t>
+              <a:t>5/31/15</a:t>
             </a:fld>
             <a:endParaRPr lang="en-US"/>
           </a:p>
@@ -3273,7 +3273,23 @@
                   <a:schemeClr val="bg1"/>
                 </a:solidFill>
               </a:rPr>
-              <a:t>: Response-time SLAs for Web Services in </a:t>
+              <a:t>: Response-time SLAs for Web </a:t>
+            </a:r>
+            <a:r>
+              <a:rPr lang="en-US" sz="3600" b="1" dirty="0" smtClean="0">
+                <a:solidFill>
+                  <a:schemeClr val="bg1"/>
+                </a:solidFill>
+              </a:rPr>
+              <a:t>APIs </a:t>
+            </a:r>
+            <a:r>
+              <a:rPr lang="en-US" sz="3600" b="1" dirty="0" smtClean="0">
+                <a:solidFill>
+                  <a:schemeClr val="bg1"/>
+                </a:solidFill>
+              </a:rPr>
+              <a:t>in </a:t>
             </a:r>
             <a:r>
               <a:rPr lang="en-US" sz="3600" b="1" dirty="0" err="1" smtClean="0">
@@ -3666,7 +3682,7 @@
         <p:spPr>
           <a:xfrm>
             <a:off x="7001235" y="2758336"/>
-            <a:ext cx="1497774" cy="608644"/>
+            <a:ext cx="1497774" cy="338554"/>
           </a:xfrm>
           <a:prstGeom prst="rect">
             <a:avLst/>
@@ -3682,7 +3698,11 @@
             <a:pPr algn="ctr"/>
             <a:r>
               <a:rPr lang="en-US" sz="1600" dirty="0" smtClean="0"/>
-              <a:t>Web Service code</a:t>
+              <a:t>Web </a:t>
+            </a:r>
+            <a:r>
+              <a:rPr lang="en-US" sz="1600" dirty="0" smtClean="0"/>
+              <a:t>API code</a:t>
             </a:r>
             <a:endParaRPr lang="en-US" sz="1600" dirty="0"/>
           </a:p>
@@ -3959,7 +3979,11 @@
             <a:pPr algn="ctr"/>
             <a:r>
               <a:rPr lang="en-US" sz="1400" dirty="0" smtClean="0"/>
-              <a:t>Web Service</a:t>
+              <a:t>Web </a:t>
+            </a:r>
+            <a:r>
+              <a:rPr lang="en-US" sz="1400" dirty="0" smtClean="0"/>
+              <a:t>API</a:t>
             </a:r>
             <a:endParaRPr lang="en-US" sz="1400" dirty="0"/>
           </a:p>
@@ -4085,15 +4109,7 @@
                   <a:schemeClr val="bg1"/>
                 </a:solidFill>
               </a:rPr>
-              <a:t>: </a:t>
-            </a:r>
-            <a:r>
-              <a:rPr lang="en-US" sz="3600" b="1" dirty="0" smtClean="0">
-                <a:solidFill>
-                  <a:schemeClr val="bg1"/>
-                </a:solidFill>
-              </a:rPr>
-              <a:t>Prediction Accuracy Results</a:t>
+              <a:t>: Prediction Accuracy Results</a:t>
             </a:r>
             <a:endParaRPr lang="en-US" sz="3600" b="1" dirty="0">
               <a:solidFill>
